--- a/Protokolle/Bi-Weekly 3.pptx
+++ b/Protokolle/Bi-Weekly 3.pptx
@@ -5,13 +5,21 @@
     <p:sldMasterId id="2147483743" r:id="rId1"/>
   </p:sldMasterIdLst>
   <p:notesMasterIdLst>
-    <p:notesMasterId r:id="rId3"/>
+    <p:notesMasterId r:id="rId11"/>
   </p:notesMasterIdLst>
   <p:handoutMasterIdLst>
-    <p:handoutMasterId r:id="rId4"/>
+    <p:handoutMasterId r:id="rId12"/>
   </p:handoutMasterIdLst>
   <p:sldIdLst>
     <p:sldId id="256" r:id="rId2"/>
+    <p:sldId id="257" r:id="rId3"/>
+    <p:sldId id="259" r:id="rId4"/>
+    <p:sldId id="258" r:id="rId5"/>
+    <p:sldId id="264" r:id="rId6"/>
+    <p:sldId id="260" r:id="rId7"/>
+    <p:sldId id="261" r:id="rId8"/>
+    <p:sldId id="262" r:id="rId9"/>
+    <p:sldId id="263" r:id="rId10"/>
   </p:sldIdLst>
   <p:sldSz cx="12192000" cy="6858000"/>
   <p:notesSz cx="6858000" cy="9144000"/>
@@ -11918,18 +11926,13 @@
           </a:lstStyle>
           <a:p>
             <a:r>
-              <a:rPr lang="de-DE" b="0" dirty="0" err="1">
+              <a:rPr lang="de-DE" b="0" dirty="0">
                 <a:solidFill>
                   <a:srgbClr val="595959"/>
                 </a:solidFill>
               </a:rPr>
-              <a:t>Subtitle</a:t>
-            </a:r>
-            <a:endParaRPr lang="en-US" b="0" dirty="0">
-              <a:solidFill>
-                <a:srgbClr val="595959"/>
-              </a:solidFill>
-            </a:endParaRPr>
+              <a:t>Bi-Weekly 3 – Alex und Max</a:t>
+            </a:r>
           </a:p>
         </p:txBody>
       </p:sp>
@@ -12274,10 +12277,19 @@
         </p:nvSpPr>
         <p:spPr/>
         <p:txBody>
-          <a:bodyPr/>
+          <a:bodyPr wrap="square" lIns="0" tIns="0" rIns="0" bIns="0" rtlCol="0" anchor="t">
+            <a:spAutoFit/>
+          </a:bodyPr>
           <a:lstStyle/>
           <a:p>
-            <a:endParaRPr lang="en-GB"/>
+            <a:r>
+              <a:rPr lang="en-GB">
+                <a:latin typeface="Trebuchet MS"/>
+                <a:ea typeface="Arial Unicode MS"/>
+                <a:cs typeface="Arial"/>
+              </a:rPr>
+              <a:t>Do. 14.12.2023 – Alex und Max</a:t>
+            </a:r>
           </a:p>
         </p:txBody>
       </p:sp>
@@ -12297,12 +12309,24 @@
             <p:ph type="title"/>
           </p:nvPr>
         </p:nvSpPr>
-        <p:spPr/>
+        <p:spPr>
+          <a:xfrm>
+            <a:off x="922413" y="2614390"/>
+            <a:ext cx="10098012" cy="1597439"/>
+          </a:xfrm>
+        </p:spPr>
         <p:txBody>
           <a:bodyPr/>
           <a:lstStyle/>
           <a:p>
-            <a:endParaRPr lang="en-GB"/>
+            <a:r>
+              <a:rPr lang="en-GB" dirty="0" err="1"/>
+              <a:t>Projektseminar</a:t>
+            </a:r>
+            <a:r>
+              <a:rPr lang="en-GB" dirty="0"/>
+              <a:t> Bi-Weekly 3</a:t>
+            </a:r>
           </a:p>
         </p:txBody>
       </p:sp>
@@ -12310,6 +12334,1520 @@
     <p:extLst>
       <p:ext uri="{BB962C8B-B14F-4D97-AF65-F5344CB8AC3E}">
         <p14:creationId xmlns:p14="http://schemas.microsoft.com/office/powerpoint/2010/main" val="383058598"/>
+      </p:ext>
+    </p:extLst>
+  </p:cSld>
+  <p:clrMapOvr>
+    <a:masterClrMapping/>
+  </p:clrMapOvr>
+</p:sld>
+</file>
+
+<file path=ppt/slides/slide2.xml><?xml version="1.0" encoding="utf-8"?>
+<p:sld xmlns:a="http://schemas.openxmlformats.org/drawingml/2006/main" xmlns:r="http://schemas.openxmlformats.org/officeDocument/2006/relationships" xmlns:p="http://schemas.openxmlformats.org/presentationml/2006/main">
+  <p:cSld>
+    <p:spTree>
+      <p:nvGrpSpPr>
+        <p:cNvPr id="1" name=""/>
+        <p:cNvGrpSpPr/>
+        <p:nvPr/>
+      </p:nvGrpSpPr>
+      <p:grpSpPr>
+        <a:xfrm>
+          <a:off x="0" y="0"/>
+          <a:ext cx="0" cy="0"/>
+          <a:chOff x="0" y="0"/>
+          <a:chExt cx="0" cy="0"/>
+        </a:xfrm>
+      </p:grpSpPr>
+      <p:sp>
+        <p:nvSpPr>
+          <p:cNvPr id="2" name="Titel 1">
+            <a:extLst>
+              <a:ext uri="{FF2B5EF4-FFF2-40B4-BE49-F238E27FC236}">
+                <a16:creationId xmlns:a16="http://schemas.microsoft.com/office/drawing/2014/main" id="{1AE05FC7-05E2-55B4-28D9-49046166C143}"/>
+              </a:ext>
+            </a:extLst>
+          </p:cNvPr>
+          <p:cNvSpPr>
+            <a:spLocks noGrp="1"/>
+          </p:cNvSpPr>
+          <p:nvPr>
+            <p:ph type="title"/>
+          </p:nvPr>
+        </p:nvSpPr>
+        <p:spPr/>
+        <p:txBody>
+          <a:bodyPr/>
+          <a:lstStyle/>
+          <a:p>
+            <a:r>
+              <a:rPr lang="de-DE" dirty="0"/>
+              <a:t>Backend</a:t>
+            </a:r>
+          </a:p>
+        </p:txBody>
+      </p:sp>
+      <p:sp>
+        <p:nvSpPr>
+          <p:cNvPr id="3" name="Textplatzhalter 2">
+            <a:extLst>
+              <a:ext uri="{FF2B5EF4-FFF2-40B4-BE49-F238E27FC236}">
+                <a16:creationId xmlns:a16="http://schemas.microsoft.com/office/drawing/2014/main" id="{789C904B-8AE6-F83D-E097-C955D2E43D8E}"/>
+              </a:ext>
+            </a:extLst>
+          </p:cNvPr>
+          <p:cNvSpPr>
+            <a:spLocks noGrp="1"/>
+          </p:cNvSpPr>
+          <p:nvPr>
+            <p:ph type="body" sz="quarter" idx="13"/>
+          </p:nvPr>
+        </p:nvSpPr>
+        <p:spPr/>
+        <p:txBody>
+          <a:bodyPr/>
+          <a:lstStyle/>
+          <a:p>
+            <a:r>
+              <a:rPr lang="de-DE" dirty="0"/>
+              <a:t>Was haben wir getan?</a:t>
+            </a:r>
+          </a:p>
+        </p:txBody>
+      </p:sp>
+      <p:sp>
+        <p:nvSpPr>
+          <p:cNvPr id="4" name="Textplatzhalter 3">
+            <a:extLst>
+              <a:ext uri="{FF2B5EF4-FFF2-40B4-BE49-F238E27FC236}">
+                <a16:creationId xmlns:a16="http://schemas.microsoft.com/office/drawing/2014/main" id="{1443236A-E6DF-B597-2F90-27E976C0FDB5}"/>
+              </a:ext>
+            </a:extLst>
+          </p:cNvPr>
+          <p:cNvSpPr>
+            <a:spLocks noGrp="1"/>
+          </p:cNvSpPr>
+          <p:nvPr>
+            <p:ph type="body" sz="quarter" idx="18"/>
+          </p:nvPr>
+        </p:nvSpPr>
+        <p:spPr/>
+        <p:txBody>
+          <a:bodyPr lIns="91440" tIns="45720" rIns="91440" bIns="45720" anchor="t">
+            <a:noAutofit/>
+          </a:bodyPr>
+          <a:lstStyle/>
+          <a:p>
+            <a:pPr>
+              <a:lnSpc>
+                <a:spcPct val="150000"/>
+              </a:lnSpc>
+            </a:pPr>
+            <a:r>
+              <a:rPr lang="de-DE" dirty="0" err="1">
+                <a:latin typeface="Trebuchet MS"/>
+              </a:rPr>
+              <a:t>Git</a:t>
+            </a:r>
+            <a:r>
+              <a:rPr lang="de-DE" dirty="0">
+                <a:latin typeface="Trebuchet MS"/>
+              </a:rPr>
+              <a:t>-Branch Struktur aufgesetzt/umstrukturiert</a:t>
+            </a:r>
+          </a:p>
+          <a:p>
+            <a:pPr>
+              <a:lnSpc>
+                <a:spcPct val="150000"/>
+              </a:lnSpc>
+            </a:pPr>
+            <a:r>
+              <a:rPr lang="de-DE" dirty="0">
+                <a:latin typeface="Trebuchet MS"/>
+              </a:rPr>
+              <a:t>Docker für </a:t>
+            </a:r>
+            <a:r>
+              <a:rPr lang="de-DE" dirty="0" err="1">
+                <a:latin typeface="Trebuchet MS"/>
+              </a:rPr>
+              <a:t>Postgres</a:t>
+            </a:r>
+            <a:r>
+              <a:rPr lang="de-DE" dirty="0">
+                <a:latin typeface="Trebuchet MS"/>
+              </a:rPr>
+              <a:t> und Django aufgesetzt</a:t>
+            </a:r>
+          </a:p>
+          <a:p>
+            <a:pPr>
+              <a:lnSpc>
+                <a:spcPct val="150000"/>
+              </a:lnSpc>
+            </a:pPr>
+            <a:r>
+              <a:rPr lang="de-DE" dirty="0">
+                <a:latin typeface="Trebuchet MS"/>
+              </a:rPr>
+              <a:t>CSV-Import implementiert</a:t>
+            </a:r>
+          </a:p>
+          <a:p>
+            <a:pPr>
+              <a:lnSpc>
+                <a:spcPct val="150000"/>
+              </a:lnSpc>
+            </a:pPr>
+            <a:r>
+              <a:rPr lang="de-DE" dirty="0" err="1">
+                <a:latin typeface="Trebuchet MS"/>
+              </a:rPr>
+              <a:t>Loginsystem</a:t>
+            </a:r>
+            <a:r>
+              <a:rPr lang="de-DE" dirty="0">
+                <a:latin typeface="Trebuchet MS"/>
+              </a:rPr>
+              <a:t> implementiert</a:t>
+            </a:r>
+          </a:p>
+          <a:p>
+            <a:pPr>
+              <a:lnSpc>
+                <a:spcPct val="150000"/>
+              </a:lnSpc>
+            </a:pPr>
+            <a:r>
+              <a:rPr lang="de-DE" dirty="0">
+                <a:latin typeface="Trebuchet MS"/>
+              </a:rPr>
+              <a:t>NFC-Funktion integrieren (in Progress)</a:t>
+            </a:r>
+          </a:p>
+          <a:p>
+            <a:pPr>
+              <a:lnSpc>
+                <a:spcPct val="150000"/>
+              </a:lnSpc>
+            </a:pPr>
+            <a:r>
+              <a:rPr lang="de-DE" dirty="0">
+                <a:latin typeface="Trebuchet MS"/>
+              </a:rPr>
+              <a:t>Buchen der Räume (in Progress)</a:t>
+            </a:r>
+            <a:endParaRPr lang="de-DE" dirty="0"/>
+          </a:p>
+        </p:txBody>
+      </p:sp>
+      <p:pic>
+        <p:nvPicPr>
+          <p:cNvPr id="6" name="Grafik 5" descr="Ein Bild, das Kreis, Screenshot enthält.&#10;&#10;Automatisch generierte Beschreibung">
+            <a:extLst>
+              <a:ext uri="{FF2B5EF4-FFF2-40B4-BE49-F238E27FC236}">
+                <a16:creationId xmlns:a16="http://schemas.microsoft.com/office/drawing/2014/main" id="{B46389FB-A2FE-C71A-0E85-3D01B29C1D49}"/>
+              </a:ext>
+            </a:extLst>
+          </p:cNvPr>
+          <p:cNvPicPr>
+            <a:picLocks noChangeAspect="1"/>
+          </p:cNvPicPr>
+          <p:nvPr/>
+        </p:nvPicPr>
+        <p:blipFill>
+          <a:blip r:embed="rId2">
+            <a:extLst>
+              <a:ext uri="{28A0092B-C50C-407E-A947-70E740481C1C}">
+                <a14:useLocalDpi xmlns:a14="http://schemas.microsoft.com/office/drawing/2010/main" val="0"/>
+              </a:ext>
+            </a:extLst>
+          </a:blip>
+          <a:stretch>
+            <a:fillRect/>
+          </a:stretch>
+        </p:blipFill>
+        <p:spPr>
+          <a:xfrm>
+            <a:off x="6083301" y="1743075"/>
+            <a:ext cx="5629275" cy="4200525"/>
+          </a:xfrm>
+          <a:prstGeom prst="rect">
+            <a:avLst/>
+          </a:prstGeom>
+        </p:spPr>
+      </p:pic>
+    </p:spTree>
+    <p:extLst>
+      <p:ext uri="{BB962C8B-B14F-4D97-AF65-F5344CB8AC3E}">
+        <p14:creationId xmlns:p14="http://schemas.microsoft.com/office/powerpoint/2010/main" val="4212543558"/>
+      </p:ext>
+    </p:extLst>
+  </p:cSld>
+  <p:clrMapOvr>
+    <a:masterClrMapping/>
+  </p:clrMapOvr>
+</p:sld>
+</file>
+
+<file path=ppt/slides/slide3.xml><?xml version="1.0" encoding="utf-8"?>
+<p:sld xmlns:a="http://schemas.openxmlformats.org/drawingml/2006/main" xmlns:r="http://schemas.openxmlformats.org/officeDocument/2006/relationships" xmlns:p="http://schemas.openxmlformats.org/presentationml/2006/main">
+  <p:cSld>
+    <p:spTree>
+      <p:nvGrpSpPr>
+        <p:cNvPr id="1" name=""/>
+        <p:cNvGrpSpPr/>
+        <p:nvPr/>
+      </p:nvGrpSpPr>
+      <p:grpSpPr>
+        <a:xfrm>
+          <a:off x="0" y="0"/>
+          <a:ext cx="0" cy="0"/>
+          <a:chOff x="0" y="0"/>
+          <a:chExt cx="0" cy="0"/>
+        </a:xfrm>
+      </p:grpSpPr>
+      <p:sp>
+        <p:nvSpPr>
+          <p:cNvPr id="2" name="Titel 1">
+            <a:extLst>
+              <a:ext uri="{FF2B5EF4-FFF2-40B4-BE49-F238E27FC236}">
+                <a16:creationId xmlns:a16="http://schemas.microsoft.com/office/drawing/2014/main" id="{1AE05FC7-05E2-55B4-28D9-49046166C143}"/>
+              </a:ext>
+            </a:extLst>
+          </p:cNvPr>
+          <p:cNvSpPr>
+            <a:spLocks noGrp="1"/>
+          </p:cNvSpPr>
+          <p:nvPr>
+            <p:ph type="title"/>
+          </p:nvPr>
+        </p:nvSpPr>
+        <p:spPr/>
+        <p:txBody>
+          <a:bodyPr/>
+          <a:lstStyle/>
+          <a:p>
+            <a:r>
+              <a:rPr lang="de-DE" dirty="0"/>
+              <a:t>Backend</a:t>
+            </a:r>
+          </a:p>
+        </p:txBody>
+      </p:sp>
+      <p:sp>
+        <p:nvSpPr>
+          <p:cNvPr id="3" name="Textplatzhalter 2">
+            <a:extLst>
+              <a:ext uri="{FF2B5EF4-FFF2-40B4-BE49-F238E27FC236}">
+                <a16:creationId xmlns:a16="http://schemas.microsoft.com/office/drawing/2014/main" id="{789C904B-8AE6-F83D-E097-C955D2E43D8E}"/>
+              </a:ext>
+            </a:extLst>
+          </p:cNvPr>
+          <p:cNvSpPr>
+            <a:spLocks noGrp="1"/>
+          </p:cNvSpPr>
+          <p:nvPr>
+            <p:ph type="body" sz="quarter" idx="13"/>
+          </p:nvPr>
+        </p:nvSpPr>
+        <p:spPr/>
+        <p:txBody>
+          <a:bodyPr/>
+          <a:lstStyle/>
+          <a:p>
+            <a:r>
+              <a:rPr lang="de-DE" dirty="0"/>
+              <a:t>Was werden wir tun?</a:t>
+            </a:r>
+          </a:p>
+        </p:txBody>
+      </p:sp>
+      <p:sp>
+        <p:nvSpPr>
+          <p:cNvPr id="4" name="Textplatzhalter 3">
+            <a:extLst>
+              <a:ext uri="{FF2B5EF4-FFF2-40B4-BE49-F238E27FC236}">
+                <a16:creationId xmlns:a16="http://schemas.microsoft.com/office/drawing/2014/main" id="{1443236A-E6DF-B597-2F90-27E976C0FDB5}"/>
+              </a:ext>
+            </a:extLst>
+          </p:cNvPr>
+          <p:cNvSpPr>
+            <a:spLocks noGrp="1"/>
+          </p:cNvSpPr>
+          <p:nvPr>
+            <p:ph type="body" sz="quarter" idx="18"/>
+          </p:nvPr>
+        </p:nvSpPr>
+        <p:spPr/>
+        <p:txBody>
+          <a:bodyPr lIns="91440" tIns="45720" rIns="91440" bIns="45720" anchor="t">
+            <a:noAutofit/>
+          </a:bodyPr>
+          <a:lstStyle/>
+          <a:p>
+            <a:pPr>
+              <a:lnSpc>
+                <a:spcPct val="200000"/>
+              </a:lnSpc>
+            </a:pPr>
+            <a:r>
+              <a:rPr lang="de-DE" dirty="0">
+                <a:latin typeface="Trebuchet MS"/>
+              </a:rPr>
+              <a:t>NFC-Funktion vollständig integrieren</a:t>
+            </a:r>
+          </a:p>
+          <a:p>
+            <a:pPr>
+              <a:lnSpc>
+                <a:spcPct val="200000"/>
+              </a:lnSpc>
+            </a:pPr>
+            <a:r>
+              <a:rPr lang="de-DE" dirty="0">
+                <a:latin typeface="Trebuchet MS"/>
+              </a:rPr>
+              <a:t>Raumbuchung und Raumanmeldung implementieren</a:t>
+            </a:r>
+          </a:p>
+          <a:p>
+            <a:pPr>
+              <a:lnSpc>
+                <a:spcPct val="200000"/>
+              </a:lnSpc>
+            </a:pPr>
+            <a:r>
+              <a:rPr lang="de-DE" dirty="0">
+                <a:latin typeface="Trebuchet MS"/>
+              </a:rPr>
+              <a:t>Nächste Jira-Task verteilen</a:t>
+            </a:r>
+            <a:endParaRPr lang="de-DE" dirty="0"/>
+          </a:p>
+        </p:txBody>
+      </p:sp>
+    </p:spTree>
+    <p:extLst>
+      <p:ext uri="{BB962C8B-B14F-4D97-AF65-F5344CB8AC3E}">
+        <p14:creationId xmlns:p14="http://schemas.microsoft.com/office/powerpoint/2010/main" val="1922463871"/>
+      </p:ext>
+    </p:extLst>
+  </p:cSld>
+  <p:clrMapOvr>
+    <a:masterClrMapping/>
+  </p:clrMapOvr>
+</p:sld>
+</file>
+
+<file path=ppt/slides/slide4.xml><?xml version="1.0" encoding="utf-8"?>
+<p:sld xmlns:a="http://schemas.openxmlformats.org/drawingml/2006/main" xmlns:r="http://schemas.openxmlformats.org/officeDocument/2006/relationships" xmlns:p="http://schemas.openxmlformats.org/presentationml/2006/main">
+  <p:cSld>
+    <p:spTree>
+      <p:nvGrpSpPr>
+        <p:cNvPr id="1" name=""/>
+        <p:cNvGrpSpPr/>
+        <p:nvPr/>
+      </p:nvGrpSpPr>
+      <p:grpSpPr>
+        <a:xfrm>
+          <a:off x="0" y="0"/>
+          <a:ext cx="0" cy="0"/>
+          <a:chOff x="0" y="0"/>
+          <a:chExt cx="0" cy="0"/>
+        </a:xfrm>
+      </p:grpSpPr>
+      <p:sp>
+        <p:nvSpPr>
+          <p:cNvPr id="2" name="Titel 1">
+            <a:extLst>
+              <a:ext uri="{FF2B5EF4-FFF2-40B4-BE49-F238E27FC236}">
+                <a16:creationId xmlns:a16="http://schemas.microsoft.com/office/drawing/2014/main" id="{1AE05FC7-05E2-55B4-28D9-49046166C143}"/>
+              </a:ext>
+            </a:extLst>
+          </p:cNvPr>
+          <p:cNvSpPr>
+            <a:spLocks noGrp="1"/>
+          </p:cNvSpPr>
+          <p:nvPr>
+            <p:ph type="title"/>
+          </p:nvPr>
+        </p:nvSpPr>
+        <p:spPr/>
+        <p:txBody>
+          <a:bodyPr/>
+          <a:lstStyle/>
+          <a:p>
+            <a:r>
+              <a:rPr lang="de-DE" dirty="0"/>
+              <a:t>Frontend</a:t>
+            </a:r>
+          </a:p>
+        </p:txBody>
+      </p:sp>
+      <p:sp>
+        <p:nvSpPr>
+          <p:cNvPr id="3" name="Textplatzhalter 2">
+            <a:extLst>
+              <a:ext uri="{FF2B5EF4-FFF2-40B4-BE49-F238E27FC236}">
+                <a16:creationId xmlns:a16="http://schemas.microsoft.com/office/drawing/2014/main" id="{789C904B-8AE6-F83D-E097-C955D2E43D8E}"/>
+              </a:ext>
+            </a:extLst>
+          </p:cNvPr>
+          <p:cNvSpPr>
+            <a:spLocks noGrp="1"/>
+          </p:cNvSpPr>
+          <p:nvPr>
+            <p:ph type="body" sz="quarter" idx="13"/>
+          </p:nvPr>
+        </p:nvSpPr>
+        <p:spPr/>
+        <p:txBody>
+          <a:bodyPr/>
+          <a:lstStyle/>
+          <a:p>
+            <a:r>
+              <a:rPr lang="de-DE" dirty="0"/>
+              <a:t>Was haben wir getan?</a:t>
+            </a:r>
+          </a:p>
+        </p:txBody>
+      </p:sp>
+      <p:sp>
+        <p:nvSpPr>
+          <p:cNvPr id="4" name="Textplatzhalter 3">
+            <a:extLst>
+              <a:ext uri="{FF2B5EF4-FFF2-40B4-BE49-F238E27FC236}">
+                <a16:creationId xmlns:a16="http://schemas.microsoft.com/office/drawing/2014/main" id="{1443236A-E6DF-B597-2F90-27E976C0FDB5}"/>
+              </a:ext>
+            </a:extLst>
+          </p:cNvPr>
+          <p:cNvSpPr>
+            <a:spLocks noGrp="1"/>
+          </p:cNvSpPr>
+          <p:nvPr>
+            <p:ph type="body" sz="quarter" idx="18"/>
+          </p:nvPr>
+        </p:nvSpPr>
+        <p:spPr/>
+        <p:txBody>
+          <a:bodyPr/>
+          <a:lstStyle/>
+          <a:p>
+            <a:r>
+              <a:rPr lang="de-DE" dirty="0"/>
+              <a:t>Meeting in Altenberge mit päd. Fachkräften und Nachhilfeschülern</a:t>
+            </a:r>
+          </a:p>
+          <a:p>
+            <a:r>
+              <a:rPr lang="de-DE" dirty="0"/>
+              <a:t>Verbesserungsvorschläge erhalten (z.B. mehr Farben und weniger Text nutzen)</a:t>
+            </a:r>
+          </a:p>
+        </p:txBody>
+      </p:sp>
+      <p:pic>
+        <p:nvPicPr>
+          <p:cNvPr id="6" name="Grafik 5" descr="Ein Bild, das Kleidung, Person, Mann, Im Haus enthält.&#10;&#10;Automatisch generierte Beschreibung">
+            <a:extLst>
+              <a:ext uri="{FF2B5EF4-FFF2-40B4-BE49-F238E27FC236}">
+                <a16:creationId xmlns:a16="http://schemas.microsoft.com/office/drawing/2014/main" id="{D0FB75EB-047E-D215-928A-ED8CC9238523}"/>
+              </a:ext>
+            </a:extLst>
+          </p:cNvPr>
+          <p:cNvPicPr>
+            <a:picLocks noChangeAspect="1"/>
+          </p:cNvPicPr>
+          <p:nvPr/>
+        </p:nvPicPr>
+        <p:blipFill>
+          <a:blip r:embed="rId2">
+            <a:extLst>
+              <a:ext uri="{28A0092B-C50C-407E-A947-70E740481C1C}">
+                <a14:useLocalDpi xmlns:a14="http://schemas.microsoft.com/office/drawing/2010/main" val="0"/>
+              </a:ext>
+            </a:extLst>
+          </a:blip>
+          <a:stretch>
+            <a:fillRect/>
+          </a:stretch>
+        </p:blipFill>
+        <p:spPr>
+          <a:xfrm>
+            <a:off x="897255" y="2855160"/>
+            <a:ext cx="4316887" cy="3237665"/>
+          </a:xfrm>
+          <a:prstGeom prst="rect">
+            <a:avLst/>
+          </a:prstGeom>
+        </p:spPr>
+      </p:pic>
+    </p:spTree>
+    <p:extLst>
+      <p:ext uri="{BB962C8B-B14F-4D97-AF65-F5344CB8AC3E}">
+        <p14:creationId xmlns:p14="http://schemas.microsoft.com/office/powerpoint/2010/main" val="4055079465"/>
+      </p:ext>
+    </p:extLst>
+  </p:cSld>
+  <p:clrMapOvr>
+    <a:masterClrMapping/>
+  </p:clrMapOvr>
+</p:sld>
+</file>
+
+<file path=ppt/slides/slide5.xml><?xml version="1.0" encoding="utf-8"?>
+<p:sld xmlns:a="http://schemas.openxmlformats.org/drawingml/2006/main" xmlns:r="http://schemas.openxmlformats.org/officeDocument/2006/relationships" xmlns:p="http://schemas.openxmlformats.org/presentationml/2006/main">
+  <p:cSld>
+    <p:spTree>
+      <p:nvGrpSpPr>
+        <p:cNvPr id="1" name=""/>
+        <p:cNvGrpSpPr/>
+        <p:nvPr/>
+      </p:nvGrpSpPr>
+      <p:grpSpPr>
+        <a:xfrm>
+          <a:off x="0" y="0"/>
+          <a:ext cx="0" cy="0"/>
+          <a:chOff x="0" y="0"/>
+          <a:chExt cx="0" cy="0"/>
+        </a:xfrm>
+      </p:grpSpPr>
+      <p:sp>
+        <p:nvSpPr>
+          <p:cNvPr id="2" name="Titel 1">
+            <a:extLst>
+              <a:ext uri="{FF2B5EF4-FFF2-40B4-BE49-F238E27FC236}">
+                <a16:creationId xmlns:a16="http://schemas.microsoft.com/office/drawing/2014/main" id="{1AE05FC7-05E2-55B4-28D9-49046166C143}"/>
+              </a:ext>
+            </a:extLst>
+          </p:cNvPr>
+          <p:cNvSpPr>
+            <a:spLocks noGrp="1"/>
+          </p:cNvSpPr>
+          <p:nvPr>
+            <p:ph type="title"/>
+          </p:nvPr>
+        </p:nvSpPr>
+        <p:spPr/>
+        <p:txBody>
+          <a:bodyPr/>
+          <a:lstStyle/>
+          <a:p>
+            <a:r>
+              <a:rPr lang="de-DE" dirty="0"/>
+              <a:t>Frontend</a:t>
+            </a:r>
+          </a:p>
+        </p:txBody>
+      </p:sp>
+      <p:sp>
+        <p:nvSpPr>
+          <p:cNvPr id="3" name="Textplatzhalter 2">
+            <a:extLst>
+              <a:ext uri="{FF2B5EF4-FFF2-40B4-BE49-F238E27FC236}">
+                <a16:creationId xmlns:a16="http://schemas.microsoft.com/office/drawing/2014/main" id="{789C904B-8AE6-F83D-E097-C955D2E43D8E}"/>
+              </a:ext>
+            </a:extLst>
+          </p:cNvPr>
+          <p:cNvSpPr>
+            <a:spLocks noGrp="1"/>
+          </p:cNvSpPr>
+          <p:nvPr>
+            <p:ph type="body" sz="quarter" idx="13"/>
+          </p:nvPr>
+        </p:nvSpPr>
+        <p:spPr/>
+        <p:txBody>
+          <a:bodyPr/>
+          <a:lstStyle/>
+          <a:p>
+            <a:r>
+              <a:rPr lang="de-DE" dirty="0"/>
+              <a:t>Was haben wir getan?</a:t>
+            </a:r>
+          </a:p>
+        </p:txBody>
+      </p:sp>
+      <p:sp>
+        <p:nvSpPr>
+          <p:cNvPr id="4" name="Textplatzhalter 3">
+            <a:extLst>
+              <a:ext uri="{FF2B5EF4-FFF2-40B4-BE49-F238E27FC236}">
+                <a16:creationId xmlns:a16="http://schemas.microsoft.com/office/drawing/2014/main" id="{1443236A-E6DF-B597-2F90-27E976C0FDB5}"/>
+              </a:ext>
+            </a:extLst>
+          </p:cNvPr>
+          <p:cNvSpPr>
+            <a:spLocks noGrp="1"/>
+          </p:cNvSpPr>
+          <p:nvPr>
+            <p:ph type="body" sz="quarter" idx="18"/>
+          </p:nvPr>
+        </p:nvSpPr>
+        <p:spPr/>
+        <p:txBody>
+          <a:bodyPr/>
+          <a:lstStyle/>
+          <a:p>
+            <a:r>
+              <a:rPr lang="de-DE" dirty="0"/>
+              <a:t>Frames für den Check-In entwickelt</a:t>
+            </a:r>
+          </a:p>
+          <a:p>
+            <a:pPr lvl="1"/>
+            <a:r>
+              <a:rPr lang="de-DE" dirty="0" err="1"/>
+              <a:t>Choose_room</a:t>
+            </a:r>
+            <a:endParaRPr lang="de-DE" dirty="0"/>
+          </a:p>
+          <a:p>
+            <a:pPr lvl="1"/>
+            <a:r>
+              <a:rPr lang="de-DE" dirty="0" err="1"/>
+              <a:t>Create_activity</a:t>
+            </a:r>
+            <a:endParaRPr lang="de-DE" dirty="0"/>
+          </a:p>
+          <a:p>
+            <a:pPr lvl="1"/>
+            <a:r>
+              <a:rPr lang="de-DE" dirty="0" err="1"/>
+              <a:t>Master_tablet</a:t>
+            </a:r>
+            <a:endParaRPr lang="de-DE" dirty="0"/>
+          </a:p>
+          <a:p>
+            <a:pPr lvl="1"/>
+            <a:r>
+              <a:rPr lang="de-DE" dirty="0"/>
+              <a:t>Home</a:t>
+            </a:r>
+          </a:p>
+          <a:p>
+            <a:pPr lvl="1"/>
+            <a:r>
+              <a:rPr lang="de-DE" dirty="0" err="1"/>
+              <a:t>Checked_in</a:t>
+            </a:r>
+            <a:endParaRPr lang="de-DE" dirty="0"/>
+          </a:p>
+          <a:p>
+            <a:pPr lvl="1"/>
+            <a:r>
+              <a:rPr lang="de-DE" dirty="0" err="1"/>
+              <a:t>Checked_out</a:t>
+            </a:r>
+            <a:endParaRPr lang="de-DE" dirty="0"/>
+          </a:p>
+          <a:p>
+            <a:pPr lvl="1"/>
+            <a:r>
+              <a:rPr lang="de-DE" dirty="0" err="1"/>
+              <a:t>Leave_room</a:t>
+            </a:r>
+            <a:endParaRPr lang="de-DE" dirty="0"/>
+          </a:p>
+          <a:p>
+            <a:pPr lvl="1"/>
+            <a:r>
+              <a:rPr lang="de-DE" dirty="0" err="1"/>
+              <a:t>Go_home</a:t>
+            </a:r>
+            <a:endParaRPr lang="de-DE" dirty="0"/>
+          </a:p>
+          <a:p>
+            <a:pPr lvl="1"/>
+            <a:r>
+              <a:rPr lang="de-DE" dirty="0" err="1"/>
+              <a:t>Remove_tablet</a:t>
+            </a:r>
+            <a:endParaRPr lang="de-DE" dirty="0"/>
+          </a:p>
+          <a:p>
+            <a:pPr lvl="1"/>
+            <a:r>
+              <a:rPr lang="de-DE" dirty="0" err="1"/>
+              <a:t>Set_nfc_scan</a:t>
+            </a:r>
+            <a:endParaRPr lang="de-DE" dirty="0"/>
+          </a:p>
+        </p:txBody>
+      </p:sp>
+      <p:pic>
+        <p:nvPicPr>
+          <p:cNvPr id="7" name="Grafik 6" descr="Ein Bild, das Text, Screenshot, Software, Multimedia-Software enthält.&#10;&#10;Automatisch generierte Beschreibung">
+            <a:extLst>
+              <a:ext uri="{FF2B5EF4-FFF2-40B4-BE49-F238E27FC236}">
+                <a16:creationId xmlns:a16="http://schemas.microsoft.com/office/drawing/2014/main" id="{411C5783-D37B-53C8-F761-4ED7DA07E222}"/>
+              </a:ext>
+            </a:extLst>
+          </p:cNvPr>
+          <p:cNvPicPr>
+            <a:picLocks noChangeAspect="1"/>
+          </p:cNvPicPr>
+          <p:nvPr/>
+        </p:nvPicPr>
+        <p:blipFill>
+          <a:blip r:embed="rId2" cstate="print">
+            <a:extLst>
+              <a:ext uri="{28A0092B-C50C-407E-A947-70E740481C1C}">
+                <a14:useLocalDpi xmlns:a14="http://schemas.microsoft.com/office/drawing/2010/main" val="0"/>
+              </a:ext>
+            </a:extLst>
+          </a:blip>
+          <a:stretch>
+            <a:fillRect/>
+          </a:stretch>
+        </p:blipFill>
+        <p:spPr>
+          <a:xfrm>
+            <a:off x="5033167" y="1743075"/>
+            <a:ext cx="3253583" cy="3212914"/>
+          </a:xfrm>
+          <a:prstGeom prst="rect">
+            <a:avLst/>
+          </a:prstGeom>
+        </p:spPr>
+      </p:pic>
+      <p:pic>
+        <p:nvPicPr>
+          <p:cNvPr id="9" name="Grafik 8" descr="Ein Bild, das Text, Elektronik, Screenshot, Software enthält.&#10;&#10;Automatisch generierte Beschreibung">
+            <a:extLst>
+              <a:ext uri="{FF2B5EF4-FFF2-40B4-BE49-F238E27FC236}">
+                <a16:creationId xmlns:a16="http://schemas.microsoft.com/office/drawing/2014/main" id="{DD888411-F36C-80E5-B1AD-325B3200FE3C}"/>
+              </a:ext>
+            </a:extLst>
+          </p:cNvPr>
+          <p:cNvPicPr>
+            <a:picLocks noChangeAspect="1"/>
+          </p:cNvPicPr>
+          <p:nvPr/>
+        </p:nvPicPr>
+        <p:blipFill>
+          <a:blip r:embed="rId3" cstate="print">
+            <a:extLst>
+              <a:ext uri="{28A0092B-C50C-407E-A947-70E740481C1C}">
+                <a14:useLocalDpi xmlns:a14="http://schemas.microsoft.com/office/drawing/2010/main" val="0"/>
+              </a:ext>
+            </a:extLst>
+          </a:blip>
+          <a:stretch>
+            <a:fillRect/>
+          </a:stretch>
+        </p:blipFill>
+        <p:spPr>
+          <a:xfrm>
+            <a:off x="8410575" y="1743075"/>
+            <a:ext cx="3511278" cy="3219403"/>
+          </a:xfrm>
+          <a:prstGeom prst="rect">
+            <a:avLst/>
+          </a:prstGeom>
+        </p:spPr>
+      </p:pic>
+    </p:spTree>
+    <p:extLst>
+      <p:ext uri="{BB962C8B-B14F-4D97-AF65-F5344CB8AC3E}">
+        <p14:creationId xmlns:p14="http://schemas.microsoft.com/office/powerpoint/2010/main" val="2044410069"/>
+      </p:ext>
+    </p:extLst>
+  </p:cSld>
+  <p:clrMapOvr>
+    <a:masterClrMapping/>
+  </p:clrMapOvr>
+</p:sld>
+</file>
+
+<file path=ppt/slides/slide6.xml><?xml version="1.0" encoding="utf-8"?>
+<p:sld xmlns:a="http://schemas.openxmlformats.org/drawingml/2006/main" xmlns:r="http://schemas.openxmlformats.org/officeDocument/2006/relationships" xmlns:p="http://schemas.openxmlformats.org/presentationml/2006/main">
+  <p:cSld>
+    <p:spTree>
+      <p:nvGrpSpPr>
+        <p:cNvPr id="1" name=""/>
+        <p:cNvGrpSpPr/>
+        <p:nvPr/>
+      </p:nvGrpSpPr>
+      <p:grpSpPr>
+        <a:xfrm>
+          <a:off x="0" y="0"/>
+          <a:ext cx="0" cy="0"/>
+          <a:chOff x="0" y="0"/>
+          <a:chExt cx="0" cy="0"/>
+        </a:xfrm>
+      </p:grpSpPr>
+      <p:sp>
+        <p:nvSpPr>
+          <p:cNvPr id="2" name="Titel 1">
+            <a:extLst>
+              <a:ext uri="{FF2B5EF4-FFF2-40B4-BE49-F238E27FC236}">
+                <a16:creationId xmlns:a16="http://schemas.microsoft.com/office/drawing/2014/main" id="{1AE05FC7-05E2-55B4-28D9-49046166C143}"/>
+              </a:ext>
+            </a:extLst>
+          </p:cNvPr>
+          <p:cNvSpPr>
+            <a:spLocks noGrp="1"/>
+          </p:cNvSpPr>
+          <p:nvPr>
+            <p:ph type="title"/>
+          </p:nvPr>
+        </p:nvSpPr>
+        <p:spPr/>
+        <p:txBody>
+          <a:bodyPr/>
+          <a:lstStyle/>
+          <a:p>
+            <a:r>
+              <a:rPr lang="de-DE" dirty="0"/>
+              <a:t>Frontend</a:t>
+            </a:r>
+          </a:p>
+        </p:txBody>
+      </p:sp>
+      <p:sp>
+        <p:nvSpPr>
+          <p:cNvPr id="3" name="Textplatzhalter 2">
+            <a:extLst>
+              <a:ext uri="{FF2B5EF4-FFF2-40B4-BE49-F238E27FC236}">
+                <a16:creationId xmlns:a16="http://schemas.microsoft.com/office/drawing/2014/main" id="{789C904B-8AE6-F83D-E097-C955D2E43D8E}"/>
+              </a:ext>
+            </a:extLst>
+          </p:cNvPr>
+          <p:cNvSpPr>
+            <a:spLocks noGrp="1"/>
+          </p:cNvSpPr>
+          <p:nvPr>
+            <p:ph type="body" sz="quarter" idx="13"/>
+          </p:nvPr>
+        </p:nvSpPr>
+        <p:spPr/>
+        <p:txBody>
+          <a:bodyPr/>
+          <a:lstStyle/>
+          <a:p>
+            <a:r>
+              <a:rPr lang="de-DE" dirty="0"/>
+              <a:t>Was werden wir tun?</a:t>
+            </a:r>
+          </a:p>
+        </p:txBody>
+      </p:sp>
+      <p:sp>
+        <p:nvSpPr>
+          <p:cNvPr id="4" name="Textplatzhalter 3">
+            <a:extLst>
+              <a:ext uri="{FF2B5EF4-FFF2-40B4-BE49-F238E27FC236}">
+                <a16:creationId xmlns:a16="http://schemas.microsoft.com/office/drawing/2014/main" id="{1443236A-E6DF-B597-2F90-27E976C0FDB5}"/>
+              </a:ext>
+            </a:extLst>
+          </p:cNvPr>
+          <p:cNvSpPr>
+            <a:spLocks noGrp="1"/>
+          </p:cNvSpPr>
+          <p:nvPr>
+            <p:ph type="body" sz="quarter" idx="18"/>
+          </p:nvPr>
+        </p:nvSpPr>
+        <p:spPr/>
+        <p:txBody>
+          <a:bodyPr/>
+          <a:lstStyle/>
+          <a:p>
+            <a:pPr>
+              <a:lnSpc>
+                <a:spcPct val="200000"/>
+              </a:lnSpc>
+            </a:pPr>
+            <a:r>
+              <a:rPr lang="de-DE" dirty="0"/>
+              <a:t>Finalisierung der Check-In Frames: Priorität 1 abarbeiten</a:t>
+            </a:r>
+          </a:p>
+          <a:p>
+            <a:pPr>
+              <a:lnSpc>
+                <a:spcPct val="200000"/>
+              </a:lnSpc>
+            </a:pPr>
+            <a:r>
+              <a:rPr lang="de-DE" dirty="0"/>
+              <a:t>Priorität 2: Entwicklung der Verwaltungs- und Analysefunktion Frames</a:t>
+            </a:r>
+          </a:p>
+          <a:p>
+            <a:pPr>
+              <a:lnSpc>
+                <a:spcPct val="200000"/>
+              </a:lnSpc>
+            </a:pPr>
+            <a:r>
+              <a:rPr lang="de-DE" dirty="0"/>
+              <a:t>Entwürfe für den Abschlussreport entwickeln</a:t>
+            </a:r>
+          </a:p>
+          <a:p>
+            <a:endParaRPr lang="de-DE" dirty="0"/>
+          </a:p>
+        </p:txBody>
+      </p:sp>
+    </p:spTree>
+    <p:extLst>
+      <p:ext uri="{BB962C8B-B14F-4D97-AF65-F5344CB8AC3E}">
+        <p14:creationId xmlns:p14="http://schemas.microsoft.com/office/powerpoint/2010/main" val="2711760401"/>
+      </p:ext>
+    </p:extLst>
+  </p:cSld>
+  <p:clrMapOvr>
+    <a:masterClrMapping/>
+  </p:clrMapOvr>
+</p:sld>
+</file>
+
+<file path=ppt/slides/slide7.xml><?xml version="1.0" encoding="utf-8"?>
+<p:sld xmlns:a="http://schemas.openxmlformats.org/drawingml/2006/main" xmlns:r="http://schemas.openxmlformats.org/officeDocument/2006/relationships" xmlns:p="http://schemas.openxmlformats.org/presentationml/2006/main">
+  <p:cSld>
+    <p:spTree>
+      <p:nvGrpSpPr>
+        <p:cNvPr id="1" name=""/>
+        <p:cNvGrpSpPr/>
+        <p:nvPr/>
+      </p:nvGrpSpPr>
+      <p:grpSpPr>
+        <a:xfrm>
+          <a:off x="0" y="0"/>
+          <a:ext cx="0" cy="0"/>
+          <a:chOff x="0" y="0"/>
+          <a:chExt cx="0" cy="0"/>
+        </a:xfrm>
+      </p:grpSpPr>
+      <p:sp>
+        <p:nvSpPr>
+          <p:cNvPr id="2" name="Titel 1">
+            <a:extLst>
+              <a:ext uri="{FF2B5EF4-FFF2-40B4-BE49-F238E27FC236}">
+                <a16:creationId xmlns:a16="http://schemas.microsoft.com/office/drawing/2014/main" id="{1AE05FC7-05E2-55B4-28D9-49046166C143}"/>
+              </a:ext>
+            </a:extLst>
+          </p:cNvPr>
+          <p:cNvSpPr>
+            <a:spLocks noGrp="1"/>
+          </p:cNvSpPr>
+          <p:nvPr>
+            <p:ph type="title"/>
+          </p:nvPr>
+        </p:nvSpPr>
+        <p:spPr/>
+        <p:txBody>
+          <a:bodyPr/>
+          <a:lstStyle/>
+          <a:p>
+            <a:r>
+              <a:rPr lang="de-DE" dirty="0"/>
+              <a:t>Hardware/Tablet</a:t>
+            </a:r>
+          </a:p>
+        </p:txBody>
+      </p:sp>
+      <p:sp>
+        <p:nvSpPr>
+          <p:cNvPr id="3" name="Textplatzhalter 2">
+            <a:extLst>
+              <a:ext uri="{FF2B5EF4-FFF2-40B4-BE49-F238E27FC236}">
+                <a16:creationId xmlns:a16="http://schemas.microsoft.com/office/drawing/2014/main" id="{789C904B-8AE6-F83D-E097-C955D2E43D8E}"/>
+              </a:ext>
+            </a:extLst>
+          </p:cNvPr>
+          <p:cNvSpPr>
+            <a:spLocks noGrp="1"/>
+          </p:cNvSpPr>
+          <p:nvPr>
+            <p:ph type="body" sz="quarter" idx="13"/>
+          </p:nvPr>
+        </p:nvSpPr>
+        <p:spPr/>
+        <p:txBody>
+          <a:bodyPr/>
+          <a:lstStyle/>
+          <a:p>
+            <a:r>
+              <a:rPr lang="de-DE" dirty="0"/>
+              <a:t>Was haben wir getan?</a:t>
+            </a:r>
+          </a:p>
+        </p:txBody>
+      </p:sp>
+      <p:sp>
+        <p:nvSpPr>
+          <p:cNvPr id="4" name="Textplatzhalter 3">
+            <a:extLst>
+              <a:ext uri="{FF2B5EF4-FFF2-40B4-BE49-F238E27FC236}">
+                <a16:creationId xmlns:a16="http://schemas.microsoft.com/office/drawing/2014/main" id="{1443236A-E6DF-B597-2F90-27E976C0FDB5}"/>
+              </a:ext>
+            </a:extLst>
+          </p:cNvPr>
+          <p:cNvSpPr>
+            <a:spLocks noGrp="1"/>
+          </p:cNvSpPr>
+          <p:nvPr>
+            <p:ph type="body" sz="quarter" idx="18"/>
+          </p:nvPr>
+        </p:nvSpPr>
+        <p:spPr/>
+        <p:txBody>
+          <a:bodyPr/>
+          <a:lstStyle/>
+          <a:p>
+            <a:r>
+              <a:rPr lang="de-DE" dirty="0"/>
+              <a:t>Was sollte es sein: NFC Scanner, günstig, vertrauenswürdig</a:t>
+            </a:r>
+          </a:p>
+          <a:p>
+            <a:r>
+              <a:rPr lang="de-DE" dirty="0"/>
+              <a:t>Samsung Galaxy Tab Active4 Pro</a:t>
+            </a:r>
+          </a:p>
+          <a:p>
+            <a:r>
+              <a:rPr lang="de-DE" dirty="0"/>
+              <a:t>Vorschlag: Wandhalterung an Eingängen</a:t>
+            </a:r>
+          </a:p>
+          <a:p>
+            <a:endParaRPr lang="de-DE" dirty="0"/>
+          </a:p>
+          <a:p>
+            <a:endParaRPr lang="de-DE" dirty="0"/>
+          </a:p>
+          <a:p>
+            <a:endParaRPr lang="de-DE" dirty="0"/>
+          </a:p>
+          <a:p>
+            <a:endParaRPr lang="de-DE" dirty="0"/>
+          </a:p>
+          <a:p>
+            <a:endParaRPr lang="de-DE" dirty="0"/>
+          </a:p>
+          <a:p>
+            <a:endParaRPr lang="de-DE" dirty="0"/>
+          </a:p>
+          <a:p>
+            <a:endParaRPr lang="de-DE" dirty="0"/>
+          </a:p>
+          <a:p>
+            <a:endParaRPr lang="de-DE" dirty="0"/>
+          </a:p>
+        </p:txBody>
+      </p:sp>
+      <p:pic>
+        <p:nvPicPr>
+          <p:cNvPr id="6" name="Grafik 5" descr="Ein Bild, das Text, Elektronik, Multimedia, Screenshot enthält.&#10;&#10;Automatisch generierte Beschreibung">
+            <a:hlinkClick r:id="rId2"/>
+            <a:extLst>
+              <a:ext uri="{FF2B5EF4-FFF2-40B4-BE49-F238E27FC236}">
+                <a16:creationId xmlns:a16="http://schemas.microsoft.com/office/drawing/2014/main" id="{7C981520-FCE8-77D5-F3A0-BD55A7EB01A9}"/>
+              </a:ext>
+            </a:extLst>
+          </p:cNvPr>
+          <p:cNvPicPr>
+            <a:picLocks noChangeAspect="1"/>
+          </p:cNvPicPr>
+          <p:nvPr/>
+        </p:nvPicPr>
+        <p:blipFill>
+          <a:blip r:embed="rId3" cstate="print">
+            <a:extLst>
+              <a:ext uri="{28A0092B-C50C-407E-A947-70E740481C1C}">
+                <a14:useLocalDpi xmlns:a14="http://schemas.microsoft.com/office/drawing/2010/main" val="0"/>
+              </a:ext>
+            </a:extLst>
+          </a:blip>
+          <a:stretch>
+            <a:fillRect/>
+          </a:stretch>
+        </p:blipFill>
+        <p:spPr>
+          <a:xfrm>
+            <a:off x="479424" y="3429000"/>
+            <a:ext cx="5086350" cy="2505027"/>
+          </a:xfrm>
+          <a:prstGeom prst="rect">
+            <a:avLst/>
+          </a:prstGeom>
+        </p:spPr>
+      </p:pic>
+      <p:pic>
+        <p:nvPicPr>
+          <p:cNvPr id="8" name="Grafik 7" descr="Ein Bild, das Text, Design enthält.&#10;&#10;Automatisch generierte Beschreibung">
+            <a:extLst>
+              <a:ext uri="{FF2B5EF4-FFF2-40B4-BE49-F238E27FC236}">
+                <a16:creationId xmlns:a16="http://schemas.microsoft.com/office/drawing/2014/main" id="{FE97A2DA-194B-267F-BB78-D9390D6F39F9}"/>
+              </a:ext>
+            </a:extLst>
+          </p:cNvPr>
+          <p:cNvPicPr>
+            <a:picLocks noChangeAspect="1"/>
+          </p:cNvPicPr>
+          <p:nvPr/>
+        </p:nvPicPr>
+        <p:blipFill>
+          <a:blip r:embed="rId4" cstate="print">
+            <a:extLst>
+              <a:ext uri="{28A0092B-C50C-407E-A947-70E740481C1C}">
+                <a14:useLocalDpi xmlns:a14="http://schemas.microsoft.com/office/drawing/2010/main" val="0"/>
+              </a:ext>
+            </a:extLst>
+          </a:blip>
+          <a:stretch>
+            <a:fillRect/>
+          </a:stretch>
+        </p:blipFill>
+        <p:spPr>
+          <a:xfrm>
+            <a:off x="6626228" y="2831966"/>
+            <a:ext cx="2892000" cy="3102061"/>
+          </a:xfrm>
+          <a:prstGeom prst="rect">
+            <a:avLst/>
+          </a:prstGeom>
+        </p:spPr>
+      </p:pic>
+    </p:spTree>
+    <p:extLst>
+      <p:ext uri="{BB962C8B-B14F-4D97-AF65-F5344CB8AC3E}">
+        <p14:creationId xmlns:p14="http://schemas.microsoft.com/office/powerpoint/2010/main" val="3875459860"/>
+      </p:ext>
+    </p:extLst>
+  </p:cSld>
+  <p:clrMapOvr>
+    <a:masterClrMapping/>
+  </p:clrMapOvr>
+</p:sld>
+</file>
+
+<file path=ppt/slides/slide8.xml><?xml version="1.0" encoding="utf-8"?>
+<p:sld xmlns:a="http://schemas.openxmlformats.org/drawingml/2006/main" xmlns:r="http://schemas.openxmlformats.org/officeDocument/2006/relationships" xmlns:p="http://schemas.openxmlformats.org/presentationml/2006/main">
+  <p:cSld>
+    <p:spTree>
+      <p:nvGrpSpPr>
+        <p:cNvPr id="1" name=""/>
+        <p:cNvGrpSpPr/>
+        <p:nvPr/>
+      </p:nvGrpSpPr>
+      <p:grpSpPr>
+        <a:xfrm>
+          <a:off x="0" y="0"/>
+          <a:ext cx="0" cy="0"/>
+          <a:chOff x="0" y="0"/>
+          <a:chExt cx="0" cy="0"/>
+        </a:xfrm>
+      </p:grpSpPr>
+      <p:sp>
+        <p:nvSpPr>
+          <p:cNvPr id="2" name="Titel 1">
+            <a:extLst>
+              <a:ext uri="{FF2B5EF4-FFF2-40B4-BE49-F238E27FC236}">
+                <a16:creationId xmlns:a16="http://schemas.microsoft.com/office/drawing/2014/main" id="{1AE05FC7-05E2-55B4-28D9-49046166C143}"/>
+              </a:ext>
+            </a:extLst>
+          </p:cNvPr>
+          <p:cNvSpPr>
+            <a:spLocks noGrp="1"/>
+          </p:cNvSpPr>
+          <p:nvPr>
+            <p:ph type="title"/>
+          </p:nvPr>
+        </p:nvSpPr>
+        <p:spPr/>
+        <p:txBody>
+          <a:bodyPr/>
+          <a:lstStyle/>
+          <a:p>
+            <a:r>
+              <a:rPr lang="de-DE" dirty="0"/>
+              <a:t>Hardware/Tablet</a:t>
+            </a:r>
+          </a:p>
+        </p:txBody>
+      </p:sp>
+      <p:sp>
+        <p:nvSpPr>
+          <p:cNvPr id="3" name="Textplatzhalter 2">
+            <a:extLst>
+              <a:ext uri="{FF2B5EF4-FFF2-40B4-BE49-F238E27FC236}">
+                <a16:creationId xmlns:a16="http://schemas.microsoft.com/office/drawing/2014/main" id="{789C904B-8AE6-F83D-E097-C955D2E43D8E}"/>
+              </a:ext>
+            </a:extLst>
+          </p:cNvPr>
+          <p:cNvSpPr>
+            <a:spLocks noGrp="1"/>
+          </p:cNvSpPr>
+          <p:nvPr>
+            <p:ph type="body" sz="quarter" idx="13"/>
+          </p:nvPr>
+        </p:nvSpPr>
+        <p:spPr/>
+        <p:txBody>
+          <a:bodyPr/>
+          <a:lstStyle/>
+          <a:p>
+            <a:r>
+              <a:rPr lang="de-DE" dirty="0"/>
+              <a:t>Was werden wir tun?</a:t>
+            </a:r>
+          </a:p>
+        </p:txBody>
+      </p:sp>
+      <p:sp>
+        <p:nvSpPr>
+          <p:cNvPr id="4" name="Textplatzhalter 3">
+            <a:extLst>
+              <a:ext uri="{FF2B5EF4-FFF2-40B4-BE49-F238E27FC236}">
+                <a16:creationId xmlns:a16="http://schemas.microsoft.com/office/drawing/2014/main" id="{1443236A-E6DF-B597-2F90-27E976C0FDB5}"/>
+              </a:ext>
+            </a:extLst>
+          </p:cNvPr>
+          <p:cNvSpPr>
+            <a:spLocks noGrp="1"/>
+          </p:cNvSpPr>
+          <p:nvPr>
+            <p:ph type="body" sz="quarter" idx="18"/>
+          </p:nvPr>
+        </p:nvSpPr>
+        <p:spPr/>
+        <p:txBody>
+          <a:bodyPr/>
+          <a:lstStyle/>
+          <a:p>
+            <a:pPr>
+              <a:lnSpc>
+                <a:spcPct val="200000"/>
+              </a:lnSpc>
+            </a:pPr>
+            <a:r>
+              <a:rPr lang="de-DE" dirty="0"/>
+              <a:t>Suche nach günstigeren Alternativen (mit NFC Reader am Display)</a:t>
+            </a:r>
+          </a:p>
+          <a:p>
+            <a:pPr>
+              <a:lnSpc>
+                <a:spcPct val="200000"/>
+              </a:lnSpc>
+            </a:pPr>
+            <a:r>
+              <a:rPr lang="de-DE" dirty="0"/>
+              <a:t>Test der App mit dem bestellten Tablet</a:t>
+            </a:r>
+          </a:p>
+          <a:p>
+            <a:pPr>
+              <a:lnSpc>
+                <a:spcPct val="200000"/>
+              </a:lnSpc>
+            </a:pPr>
+            <a:r>
+              <a:rPr lang="de-DE" dirty="0"/>
+              <a:t>Datenschutzrechtliche Fragen klären</a:t>
+            </a:r>
+          </a:p>
+          <a:p>
+            <a:pPr lvl="1">
+              <a:lnSpc>
+                <a:spcPct val="200000"/>
+              </a:lnSpc>
+            </a:pPr>
+            <a:r>
+              <a:rPr lang="de-DE" dirty="0"/>
+              <a:t>Welche Hersteller sind okay?</a:t>
+            </a:r>
+          </a:p>
+          <a:p>
+            <a:pPr lvl="1">
+              <a:lnSpc>
+                <a:spcPct val="200000"/>
+              </a:lnSpc>
+            </a:pPr>
+            <a:r>
+              <a:rPr lang="de-DE" dirty="0"/>
+              <a:t>Cloud oder On-</a:t>
+            </a:r>
+            <a:r>
+              <a:rPr lang="de-DE" dirty="0" err="1"/>
+              <a:t>Premise</a:t>
+            </a:r>
+            <a:endParaRPr lang="de-DE" dirty="0"/>
+          </a:p>
+        </p:txBody>
+      </p:sp>
+    </p:spTree>
+    <p:extLst>
+      <p:ext uri="{BB962C8B-B14F-4D97-AF65-F5344CB8AC3E}">
+        <p14:creationId xmlns:p14="http://schemas.microsoft.com/office/powerpoint/2010/main" val="4181122978"/>
+      </p:ext>
+    </p:extLst>
+  </p:cSld>
+  <p:clrMapOvr>
+    <a:masterClrMapping/>
+  </p:clrMapOvr>
+</p:sld>
+</file>
+
+<file path=ppt/slides/slide9.xml><?xml version="1.0" encoding="utf-8"?>
+<p:sld xmlns:a="http://schemas.openxmlformats.org/drawingml/2006/main" xmlns:r="http://schemas.openxmlformats.org/officeDocument/2006/relationships" xmlns:p="http://schemas.openxmlformats.org/presentationml/2006/main">
+  <p:cSld>
+    <p:spTree>
+      <p:nvGrpSpPr>
+        <p:cNvPr id="1" name=""/>
+        <p:cNvGrpSpPr/>
+        <p:nvPr/>
+      </p:nvGrpSpPr>
+      <p:grpSpPr>
+        <a:xfrm>
+          <a:off x="0" y="0"/>
+          <a:ext cx="0" cy="0"/>
+          <a:chOff x="0" y="0"/>
+          <a:chExt cx="0" cy="0"/>
+        </a:xfrm>
+      </p:grpSpPr>
+      <p:sp>
+        <p:nvSpPr>
+          <p:cNvPr id="2" name="Titel 1">
+            <a:extLst>
+              <a:ext uri="{FF2B5EF4-FFF2-40B4-BE49-F238E27FC236}">
+                <a16:creationId xmlns:a16="http://schemas.microsoft.com/office/drawing/2014/main" id="{5527F71A-2B07-DD26-8025-7170E8CE9C79}"/>
+              </a:ext>
+            </a:extLst>
+          </p:cNvPr>
+          <p:cNvSpPr>
+            <a:spLocks noGrp="1"/>
+          </p:cNvSpPr>
+          <p:nvPr>
+            <p:ph type="title"/>
+          </p:nvPr>
+        </p:nvSpPr>
+        <p:spPr/>
+        <p:txBody>
+          <a:bodyPr/>
+          <a:lstStyle/>
+          <a:p>
+            <a:r>
+              <a:rPr lang="de-DE" dirty="0"/>
+              <a:t>Offene Fragen</a:t>
+            </a:r>
+          </a:p>
+        </p:txBody>
+      </p:sp>
+      <p:sp>
+        <p:nvSpPr>
+          <p:cNvPr id="3" name="Textplatzhalter 2">
+            <a:extLst>
+              <a:ext uri="{FF2B5EF4-FFF2-40B4-BE49-F238E27FC236}">
+                <a16:creationId xmlns:a16="http://schemas.microsoft.com/office/drawing/2014/main" id="{92E3D5C6-2CED-C481-87E3-57E947B75662}"/>
+              </a:ext>
+            </a:extLst>
+          </p:cNvPr>
+          <p:cNvSpPr>
+            <a:spLocks noGrp="1"/>
+          </p:cNvSpPr>
+          <p:nvPr>
+            <p:ph type="body" sz="quarter" idx="13"/>
+          </p:nvPr>
+        </p:nvSpPr>
+        <p:spPr/>
+        <p:txBody>
+          <a:bodyPr/>
+          <a:lstStyle/>
+          <a:p>
+            <a:endParaRPr lang="de-DE"/>
+          </a:p>
+        </p:txBody>
+      </p:sp>
+      <p:sp>
+        <p:nvSpPr>
+          <p:cNvPr id="4" name="Textplatzhalter 3">
+            <a:extLst>
+              <a:ext uri="{FF2B5EF4-FFF2-40B4-BE49-F238E27FC236}">
+                <a16:creationId xmlns:a16="http://schemas.microsoft.com/office/drawing/2014/main" id="{7F42E4DA-A247-D05D-57F6-85EB2619102F}"/>
+              </a:ext>
+            </a:extLst>
+          </p:cNvPr>
+          <p:cNvSpPr>
+            <a:spLocks noGrp="1"/>
+          </p:cNvSpPr>
+          <p:nvPr>
+            <p:ph type="body" sz="quarter" idx="18"/>
+          </p:nvPr>
+        </p:nvSpPr>
+        <p:spPr/>
+        <p:txBody>
+          <a:bodyPr lIns="91440" tIns="45720" rIns="91440" bIns="45720" anchor="t">
+            <a:noAutofit/>
+          </a:bodyPr>
+          <a:lstStyle/>
+          <a:p>
+            <a:pPr>
+              <a:lnSpc>
+                <a:spcPct val="200000"/>
+              </a:lnSpc>
+            </a:pPr>
+            <a:r>
+              <a:rPr lang="de-DE" dirty="0">
+                <a:latin typeface="Trebuchet MS"/>
+              </a:rPr>
+              <a:t>Wie soll der Abschlussbericht aussehen (Format, Umfang, Gliederung)?</a:t>
+            </a:r>
+          </a:p>
+          <a:p>
+            <a:pPr>
+              <a:lnSpc>
+                <a:spcPct val="200000"/>
+              </a:lnSpc>
+            </a:pPr>
+            <a:r>
+              <a:rPr lang="de-DE" dirty="0">
+                <a:latin typeface="Trebuchet MS"/>
+              </a:rPr>
+              <a:t>An OGS: </a:t>
+            </a:r>
+          </a:p>
+          <a:p>
+            <a:pPr lvl="1">
+              <a:lnSpc>
+                <a:spcPct val="200000"/>
+              </a:lnSpc>
+            </a:pPr>
+            <a:r>
+              <a:rPr lang="de-DE" dirty="0">
+                <a:latin typeface="Trebuchet MS"/>
+              </a:rPr>
+              <a:t>Wie viele externe Personen bieten gleichzeitig potentiell AGs/Aktivitäten an?</a:t>
+            </a:r>
+          </a:p>
+          <a:p>
+            <a:pPr lvl="1">
+              <a:lnSpc>
+                <a:spcPct val="200000"/>
+              </a:lnSpc>
+            </a:pPr>
+            <a:r>
+              <a:rPr lang="de-DE" dirty="0">
+                <a:latin typeface="Trebuchet MS"/>
+              </a:rPr>
+              <a:t>Bekommen päd. Fachkräfte NFC-Tags? Werden Passwörter benötigt?</a:t>
+            </a:r>
+          </a:p>
+        </p:txBody>
+      </p:sp>
+    </p:spTree>
+    <p:extLst>
+      <p:ext uri="{BB962C8B-B14F-4D97-AF65-F5344CB8AC3E}">
+        <p14:creationId xmlns:p14="http://schemas.microsoft.com/office/powerpoint/2010/main" val="2834756020"/>
       </p:ext>
     </p:extLst>
   </p:cSld>

--- a/Protokolle/Bi-Weekly 3.pptx
+++ b/Protokolle/Bi-Weekly 3.pptx
@@ -12883,6 +12883,43 @@
           <a:prstGeom prst="rect">
             <a:avLst/>
           </a:prstGeom>
+        </p:spPr>
+      </p:pic>
+      <p:pic>
+        <p:nvPicPr>
+          <p:cNvPr id="7" name="Grafik 6">
+            <a:extLst>
+              <a:ext uri="{FF2B5EF4-FFF2-40B4-BE49-F238E27FC236}">
+                <a16:creationId xmlns:a16="http://schemas.microsoft.com/office/drawing/2014/main" id="{32C99C27-B324-8963-56E7-99A59AD4C4C5}"/>
+              </a:ext>
+            </a:extLst>
+          </p:cNvPr>
+          <p:cNvPicPr>
+            <a:picLocks noChangeAspect="1"/>
+          </p:cNvPicPr>
+          <p:nvPr/>
+        </p:nvPicPr>
+        <p:blipFill>
+          <a:blip r:embed="rId3"/>
+          <a:stretch>
+            <a:fillRect/>
+          </a:stretch>
+        </p:blipFill>
+        <p:spPr>
+          <a:xfrm>
+            <a:off x="6977860" y="2855160"/>
+            <a:ext cx="2812432" cy="3237665"/>
+          </a:xfrm>
+          <a:prstGeom prst="rect">
+            <a:avLst/>
+          </a:prstGeom>
+          <a:effectLst>
+            <a:outerShdw blurRad="50800" dist="38100" dir="2700000" algn="tl" rotWithShape="0">
+              <a:prstClr val="black">
+                <a:alpha val="40000"/>
+              </a:prstClr>
+            </a:outerShdw>
+          </a:effectLst>
         </p:spPr>
       </p:pic>
     </p:spTree>
